--- a/spotlight/presentation.pptx
+++ b/spotlight/presentation.pptx
@@ -118,13 +118,18 @@
       </a:defRPr>
     </a:lvl9pPr>
   </p:defaultTextStyle>
+  <p:extLst>
+    <p:ext uri="{EFAFB233-063F-42B5-8137-9DF3F51BA10A}">
+      <p15:sldGuideLst xmlns:p15="http://schemas.microsoft.com/office/powerpoint/2012/main"/>
+    </p:ext>
+  </p:extLst>
 </p:presentation>
 </file>
 
 <file path=ppt/revisionInfo.xml><?xml version="1.0" encoding="utf-8"?>
 <p1510:revInfo xmlns:a="http://schemas.openxmlformats.org/drawingml/2006/main" xmlns:r="http://schemas.openxmlformats.org/officeDocument/2006/relationships" xmlns:p1510="http://schemas.microsoft.com/office/powerpoint/2015/10/main">
   <p1510:revLst>
-    <p1510:client id="{26242DFE-4A71-4F09-B7ED-B2473E7BF690}" v="53" dt="2023-05-16T21:51:35.252"/>
+    <p1510:client id="{26242DFE-4A71-4F09-B7ED-B2473E7BF690}" v="56" dt="2023-05-17T02:37:55.708"/>
   </p1510:revLst>
 </p1510:revInfo>
 </file>
@@ -134,7 +139,7 @@
   <pc:docChgLst>
     <pc:chgData name="Yiwei Liang" userId="72d46054-3878-42b6-985f-a1be72c8583a" providerId="ADAL" clId="{26242DFE-4A71-4F09-B7ED-B2473E7BF690}"/>
     <pc:docChg chg="undo redo custSel addSld modSld">
-      <pc:chgData name="Yiwei Liang" userId="72d46054-3878-42b6-985f-a1be72c8583a" providerId="ADAL" clId="{26242DFE-4A71-4F09-B7ED-B2473E7BF690}" dt="2023-05-16T21:53:33.190" v="844" actId="1076"/>
+      <pc:chgData name="Yiwei Liang" userId="72d46054-3878-42b6-985f-a1be72c8583a" providerId="ADAL" clId="{26242DFE-4A71-4F09-B7ED-B2473E7BF690}" dt="2023-05-17T03:15:13.852" v="885" actId="20577"/>
       <pc:docMkLst>
         <pc:docMk/>
       </pc:docMkLst>
@@ -186,7 +191,7 @@
         </pc:spChg>
       </pc:sldChg>
       <pc:sldChg chg="addSp modSp new mod">
-        <pc:chgData name="Yiwei Liang" userId="72d46054-3878-42b6-985f-a1be72c8583a" providerId="ADAL" clId="{26242DFE-4A71-4F09-B7ED-B2473E7BF690}" dt="2023-05-16T21:53:33.190" v="844" actId="1076"/>
+        <pc:chgData name="Yiwei Liang" userId="72d46054-3878-42b6-985f-a1be72c8583a" providerId="ADAL" clId="{26242DFE-4A71-4F09-B7ED-B2473E7BF690}" dt="2023-05-17T03:15:13.852" v="885" actId="20577"/>
         <pc:sldMkLst>
           <pc:docMk/>
           <pc:sldMk cId="2030623562" sldId="257"/>
@@ -200,7 +205,7 @@
           </ac:spMkLst>
         </pc:spChg>
         <pc:spChg chg="add mod">
-          <ac:chgData name="Yiwei Liang" userId="72d46054-3878-42b6-985f-a1be72c8583a" providerId="ADAL" clId="{26242DFE-4A71-4F09-B7ED-B2473E7BF690}" dt="2023-05-16T21:53:33.190" v="844" actId="1076"/>
+          <ac:chgData name="Yiwei Liang" userId="72d46054-3878-42b6-985f-a1be72c8583a" providerId="ADAL" clId="{26242DFE-4A71-4F09-B7ED-B2473E7BF690}" dt="2023-05-17T03:15:13.852" v="885" actId="20577"/>
           <ac:spMkLst>
             <pc:docMk/>
             <pc:sldMk cId="2030623562" sldId="257"/>
@@ -209,7 +214,7 @@
         </pc:spChg>
       </pc:sldChg>
       <pc:sldChg chg="addSp delSp modSp new mod">
-        <pc:chgData name="Yiwei Liang" userId="72d46054-3878-42b6-985f-a1be72c8583a" providerId="ADAL" clId="{26242DFE-4A71-4F09-B7ED-B2473E7BF690}" dt="2023-05-16T20:15:31.989" v="168" actId="1076"/>
+        <pc:chgData name="Yiwei Liang" userId="72d46054-3878-42b6-985f-a1be72c8583a" providerId="ADAL" clId="{26242DFE-4A71-4F09-B7ED-B2473E7BF690}" dt="2023-05-17T02:19:50.674" v="846" actId="1076"/>
         <pc:sldMkLst>
           <pc:docMk/>
           <pc:sldMk cId="2158086372" sldId="258"/>
@@ -231,7 +236,7 @@
           </ac:spMkLst>
         </pc:spChg>
         <pc:spChg chg="add mod">
-          <ac:chgData name="Yiwei Liang" userId="72d46054-3878-42b6-985f-a1be72c8583a" providerId="ADAL" clId="{26242DFE-4A71-4F09-B7ED-B2473E7BF690}" dt="2023-05-16T20:15:31.989" v="168" actId="1076"/>
+          <ac:chgData name="Yiwei Liang" userId="72d46054-3878-42b6-985f-a1be72c8583a" providerId="ADAL" clId="{26242DFE-4A71-4F09-B7ED-B2473E7BF690}" dt="2023-05-17T02:19:50.674" v="846" actId="1076"/>
           <ac:spMkLst>
             <pc:docMk/>
             <pc:sldMk cId="2158086372" sldId="258"/>
@@ -443,20 +448,60 @@
           </ac:spMkLst>
         </pc:spChg>
       </pc:sldChg>
-      <pc:sldChg chg="addSp delSp modSp new mod">
-        <pc:chgData name="Yiwei Liang" userId="72d46054-3878-42b6-985f-a1be72c8583a" providerId="ADAL" clId="{26242DFE-4A71-4F09-B7ED-B2473E7BF690}" dt="2023-05-16T20:31:57.313" v="561" actId="14100"/>
+      <pc:sldChg chg="addSp delSp modSp new mod setBg">
+        <pc:chgData name="Yiwei Liang" userId="72d46054-3878-42b6-985f-a1be72c8583a" providerId="ADAL" clId="{26242DFE-4A71-4F09-B7ED-B2473E7BF690}" dt="2023-05-17T02:32:09.664" v="855" actId="26606"/>
         <pc:sldMkLst>
           <pc:docMk/>
           <pc:sldMk cId="2736553524" sldId="263"/>
         </pc:sldMkLst>
         <pc:spChg chg="add mod">
-          <ac:chgData name="Yiwei Liang" userId="72d46054-3878-42b6-985f-a1be72c8583a" providerId="ADAL" clId="{26242DFE-4A71-4F09-B7ED-B2473E7BF690}" dt="2023-05-16T20:30:52.661" v="532" actId="20577"/>
+          <ac:chgData name="Yiwei Liang" userId="72d46054-3878-42b6-985f-a1be72c8583a" providerId="ADAL" clId="{26242DFE-4A71-4F09-B7ED-B2473E7BF690}" dt="2023-05-17T02:32:09.664" v="855" actId="26606"/>
           <ac:spMkLst>
             <pc:docMk/>
             <pc:sldMk cId="2736553524" sldId="263"/>
             <ac:spMk id="2" creationId="{6A2164F6-458F-B31C-31D1-44592A486A3E}"/>
           </ac:spMkLst>
         </pc:spChg>
+        <pc:spChg chg="add">
+          <ac:chgData name="Yiwei Liang" userId="72d46054-3878-42b6-985f-a1be72c8583a" providerId="ADAL" clId="{26242DFE-4A71-4F09-B7ED-B2473E7BF690}" dt="2023-05-17T02:32:09.664" v="855" actId="26606"/>
+          <ac:spMkLst>
+            <pc:docMk/>
+            <pc:sldMk cId="2736553524" sldId="263"/>
+            <ac:spMk id="29" creationId="{AAE3107B-714A-461C-AC2A-394A70CFC733}"/>
+          </ac:spMkLst>
+        </pc:spChg>
+        <pc:spChg chg="add">
+          <ac:chgData name="Yiwei Liang" userId="72d46054-3878-42b6-985f-a1be72c8583a" providerId="ADAL" clId="{26242DFE-4A71-4F09-B7ED-B2473E7BF690}" dt="2023-05-17T02:32:09.664" v="855" actId="26606"/>
+          <ac:spMkLst>
+            <pc:docMk/>
+            <pc:sldMk cId="2736553524" sldId="263"/>
+            <ac:spMk id="39" creationId="{0E0A986F-4D9A-4E32-8DBD-A2B117A24F1A}"/>
+          </ac:spMkLst>
+        </pc:spChg>
+        <pc:grpChg chg="add">
+          <ac:chgData name="Yiwei Liang" userId="72d46054-3878-42b6-985f-a1be72c8583a" providerId="ADAL" clId="{26242DFE-4A71-4F09-B7ED-B2473E7BF690}" dt="2023-05-17T02:32:09.664" v="855" actId="26606"/>
+          <ac:grpSpMkLst>
+            <pc:docMk/>
+            <pc:sldMk cId="2736553524" sldId="263"/>
+            <ac:grpSpMk id="21" creationId="{6BD642B1-E8A0-4B5B-8E4A-D8EF15A08E32}"/>
+          </ac:grpSpMkLst>
+        </pc:grpChg>
+        <pc:grpChg chg="add">
+          <ac:chgData name="Yiwei Liang" userId="72d46054-3878-42b6-985f-a1be72c8583a" providerId="ADAL" clId="{26242DFE-4A71-4F09-B7ED-B2473E7BF690}" dt="2023-05-17T02:32:09.664" v="855" actId="26606"/>
+          <ac:grpSpMkLst>
+            <pc:docMk/>
+            <pc:sldMk cId="2736553524" sldId="263"/>
+            <ac:grpSpMk id="31" creationId="{AB3F6FE8-AF7E-4703-AB78-FD9AFD2AC2D4}"/>
+          </ac:grpSpMkLst>
+        </pc:grpChg>
+        <pc:picChg chg="add mod">
+          <ac:chgData name="Yiwei Liang" userId="72d46054-3878-42b6-985f-a1be72c8583a" providerId="ADAL" clId="{26242DFE-4A71-4F09-B7ED-B2473E7BF690}" dt="2023-05-17T02:32:09.664" v="855" actId="26606"/>
+          <ac:picMkLst>
+            <pc:docMk/>
+            <pc:sldMk cId="2736553524" sldId="263"/>
+            <ac:picMk id="3" creationId="{0200929C-2778-7C90-68B9-9382B92B6D46}"/>
+          </ac:picMkLst>
+        </pc:picChg>
         <pc:picChg chg="add del mod">
           <ac:chgData name="Yiwei Liang" userId="72d46054-3878-42b6-985f-a1be72c8583a" providerId="ADAL" clId="{26242DFE-4A71-4F09-B7ED-B2473E7BF690}" dt="2023-05-16T20:31:05.785" v="538" actId="478"/>
           <ac:picMkLst>
@@ -505,53 +550,125 @@
             <ac:picMk id="14" creationId="{005E4769-625A-D0CE-7FA1-80ACBF58D75A}"/>
           </ac:picMkLst>
         </pc:picChg>
-        <pc:picChg chg="add mod">
-          <ac:chgData name="Yiwei Liang" userId="72d46054-3878-42b6-985f-a1be72c8583a" providerId="ADAL" clId="{26242DFE-4A71-4F09-B7ED-B2473E7BF690}" dt="2023-05-16T20:31:50.571" v="559" actId="1076"/>
+        <pc:picChg chg="add mod ord">
+          <ac:chgData name="Yiwei Liang" userId="72d46054-3878-42b6-985f-a1be72c8583a" providerId="ADAL" clId="{26242DFE-4A71-4F09-B7ED-B2473E7BF690}" dt="2023-05-17T02:32:09.664" v="855" actId="26606"/>
           <ac:picMkLst>
             <pc:docMk/>
             <pc:sldMk cId="2736553524" sldId="263"/>
             <ac:picMk id="16" creationId="{A4537854-3CAD-7428-E1C9-13D896B929A8}"/>
           </ac:picMkLst>
         </pc:picChg>
-        <pc:picChg chg="add mod">
-          <ac:chgData name="Yiwei Liang" userId="72d46054-3878-42b6-985f-a1be72c8583a" providerId="ADAL" clId="{26242DFE-4A71-4F09-B7ED-B2473E7BF690}" dt="2023-05-16T20:31:57.313" v="561" actId="14100"/>
+        <pc:picChg chg="add del mod">
+          <ac:chgData name="Yiwei Liang" userId="72d46054-3878-42b6-985f-a1be72c8583a" providerId="ADAL" clId="{26242DFE-4A71-4F09-B7ED-B2473E7BF690}" dt="2023-05-17T02:32:01.316" v="851" actId="478"/>
           <ac:picMkLst>
             <pc:docMk/>
             <pc:sldMk cId="2736553524" sldId="263"/>
             <ac:picMk id="18" creationId="{52726197-0E24-39A2-DA8A-1E54FB1E5E34}"/>
           </ac:picMkLst>
         </pc:picChg>
+        <pc:cxnChg chg="add">
+          <ac:chgData name="Yiwei Liang" userId="72d46054-3878-42b6-985f-a1be72c8583a" providerId="ADAL" clId="{26242DFE-4A71-4F09-B7ED-B2473E7BF690}" dt="2023-05-17T02:32:09.664" v="855" actId="26606"/>
+          <ac:cxnSpMkLst>
+            <pc:docMk/>
+            <pc:sldMk cId="2736553524" sldId="263"/>
+            <ac:cxnSpMk id="27" creationId="{1870FE29-3AF7-4226-8303-7C1B0B8E1F68}"/>
+          </ac:cxnSpMkLst>
+        </pc:cxnChg>
+        <pc:cxnChg chg="add">
+          <ac:chgData name="Yiwei Liang" userId="72d46054-3878-42b6-985f-a1be72c8583a" providerId="ADAL" clId="{26242DFE-4A71-4F09-B7ED-B2473E7BF690}" dt="2023-05-17T02:32:09.664" v="855" actId="26606"/>
+          <ac:cxnSpMkLst>
+            <pc:docMk/>
+            <pc:sldMk cId="2736553524" sldId="263"/>
+            <ac:cxnSpMk id="37" creationId="{A36D75B7-CF09-4927-A857-F377500265D8}"/>
+          </ac:cxnSpMkLst>
+        </pc:cxnChg>
       </pc:sldChg>
-      <pc:sldChg chg="addSp modSp new mod">
-        <pc:chgData name="Yiwei Liang" userId="72d46054-3878-42b6-985f-a1be72c8583a" providerId="ADAL" clId="{26242DFE-4A71-4F09-B7ED-B2473E7BF690}" dt="2023-05-16T20:32:29.543" v="575" actId="1076"/>
+      <pc:sldChg chg="addSp delSp modSp new mod setBg">
+        <pc:chgData name="Yiwei Liang" userId="72d46054-3878-42b6-985f-a1be72c8583a" providerId="ADAL" clId="{26242DFE-4A71-4F09-B7ED-B2473E7BF690}" dt="2023-05-17T02:32:16.975" v="857" actId="26606"/>
         <pc:sldMkLst>
           <pc:docMk/>
           <pc:sldMk cId="3932414100" sldId="264"/>
         </pc:sldMkLst>
         <pc:spChg chg="add mod">
-          <ac:chgData name="Yiwei Liang" userId="72d46054-3878-42b6-985f-a1be72c8583a" providerId="ADAL" clId="{26242DFE-4A71-4F09-B7ED-B2473E7BF690}" dt="2023-05-16T20:32:06.751" v="563"/>
+          <ac:chgData name="Yiwei Liang" userId="72d46054-3878-42b6-985f-a1be72c8583a" providerId="ADAL" clId="{26242DFE-4A71-4F09-B7ED-B2473E7BF690}" dt="2023-05-17T02:32:16.975" v="857" actId="26606"/>
           <ac:spMkLst>
             <pc:docMk/>
             <pc:sldMk cId="3932414100" sldId="264"/>
             <ac:spMk id="2" creationId="{ECE2032E-26F6-4EA5-3EB9-05F8D7AF60BF}"/>
           </ac:spMkLst>
         </pc:spChg>
+        <pc:spChg chg="add">
+          <ac:chgData name="Yiwei Liang" userId="72d46054-3878-42b6-985f-a1be72c8583a" providerId="ADAL" clId="{26242DFE-4A71-4F09-B7ED-B2473E7BF690}" dt="2023-05-17T02:32:16.975" v="857" actId="26606"/>
+          <ac:spMkLst>
+            <pc:docMk/>
+            <pc:sldMk cId="3932414100" sldId="264"/>
+            <ac:spMk id="17" creationId="{AAE3107B-714A-461C-AC2A-394A70CFC733}"/>
+          </ac:spMkLst>
+        </pc:spChg>
+        <pc:spChg chg="add">
+          <ac:chgData name="Yiwei Liang" userId="72d46054-3878-42b6-985f-a1be72c8583a" providerId="ADAL" clId="{26242DFE-4A71-4F09-B7ED-B2473E7BF690}" dt="2023-05-17T02:32:16.975" v="857" actId="26606"/>
+          <ac:spMkLst>
+            <pc:docMk/>
+            <pc:sldMk cId="3932414100" sldId="264"/>
+            <ac:spMk id="27" creationId="{0E0A986F-4D9A-4E32-8DBD-A2B117A24F1A}"/>
+          </ac:spMkLst>
+        </pc:spChg>
+        <pc:grpChg chg="add">
+          <ac:chgData name="Yiwei Liang" userId="72d46054-3878-42b6-985f-a1be72c8583a" providerId="ADAL" clId="{26242DFE-4A71-4F09-B7ED-B2473E7BF690}" dt="2023-05-17T02:32:16.975" v="857" actId="26606"/>
+          <ac:grpSpMkLst>
+            <pc:docMk/>
+            <pc:sldMk cId="3932414100" sldId="264"/>
+            <ac:grpSpMk id="9" creationId="{6BD642B1-E8A0-4B5B-8E4A-D8EF15A08E32}"/>
+          </ac:grpSpMkLst>
+        </pc:grpChg>
+        <pc:grpChg chg="add">
+          <ac:chgData name="Yiwei Liang" userId="72d46054-3878-42b6-985f-a1be72c8583a" providerId="ADAL" clId="{26242DFE-4A71-4F09-B7ED-B2473E7BF690}" dt="2023-05-17T02:32:16.975" v="857" actId="26606"/>
+          <ac:grpSpMkLst>
+            <pc:docMk/>
+            <pc:sldMk cId="3932414100" sldId="264"/>
+            <ac:grpSpMk id="19" creationId="{AB3F6FE8-AF7E-4703-AB78-FD9AFD2AC2D4}"/>
+          </ac:grpSpMkLst>
+        </pc:grpChg>
         <pc:picChg chg="add mod">
-          <ac:chgData name="Yiwei Liang" userId="72d46054-3878-42b6-985f-a1be72c8583a" providerId="ADAL" clId="{26242DFE-4A71-4F09-B7ED-B2473E7BF690}" dt="2023-05-16T20:32:17.061" v="568" actId="1076"/>
+          <ac:chgData name="Yiwei Liang" userId="72d46054-3878-42b6-985f-a1be72c8583a" providerId="ADAL" clId="{26242DFE-4A71-4F09-B7ED-B2473E7BF690}" dt="2023-05-17T02:32:16.975" v="857" actId="26606"/>
+          <ac:picMkLst>
+            <pc:docMk/>
+            <pc:sldMk cId="3932414100" sldId="264"/>
+            <ac:picMk id="3" creationId="{C4DE7977-A432-74C4-248E-9B87EC9EA609}"/>
+          </ac:picMkLst>
+        </pc:picChg>
+        <pc:picChg chg="add mod">
+          <ac:chgData name="Yiwei Liang" userId="72d46054-3878-42b6-985f-a1be72c8583a" providerId="ADAL" clId="{26242DFE-4A71-4F09-B7ED-B2473E7BF690}" dt="2023-05-17T02:32:16.975" v="857" actId="26606"/>
           <ac:picMkLst>
             <pc:docMk/>
             <pc:sldMk cId="3932414100" sldId="264"/>
             <ac:picMk id="4" creationId="{52F08E86-20F2-2F54-4002-B9D42B10FFB8}"/>
           </ac:picMkLst>
         </pc:picChg>
-        <pc:picChg chg="add mod">
-          <ac:chgData name="Yiwei Liang" userId="72d46054-3878-42b6-985f-a1be72c8583a" providerId="ADAL" clId="{26242DFE-4A71-4F09-B7ED-B2473E7BF690}" dt="2023-05-16T20:32:29.543" v="575" actId="1076"/>
+        <pc:picChg chg="add del mod">
+          <ac:chgData name="Yiwei Liang" userId="72d46054-3878-42b6-985f-a1be72c8583a" providerId="ADAL" clId="{26242DFE-4A71-4F09-B7ED-B2473E7BF690}" dt="2023-05-17T02:31:58.603" v="850" actId="478"/>
           <ac:picMkLst>
             <pc:docMk/>
             <pc:sldMk cId="3932414100" sldId="264"/>
             <ac:picMk id="6" creationId="{728865B0-7FD5-A6F9-7CB8-A43A629F8AAB}"/>
           </ac:picMkLst>
         </pc:picChg>
+        <pc:cxnChg chg="add">
+          <ac:chgData name="Yiwei Liang" userId="72d46054-3878-42b6-985f-a1be72c8583a" providerId="ADAL" clId="{26242DFE-4A71-4F09-B7ED-B2473E7BF690}" dt="2023-05-17T02:32:16.975" v="857" actId="26606"/>
+          <ac:cxnSpMkLst>
+            <pc:docMk/>
+            <pc:sldMk cId="3932414100" sldId="264"/>
+            <ac:cxnSpMk id="15" creationId="{1870FE29-3AF7-4226-8303-7C1B0B8E1F68}"/>
+          </ac:cxnSpMkLst>
+        </pc:cxnChg>
+        <pc:cxnChg chg="add">
+          <ac:chgData name="Yiwei Liang" userId="72d46054-3878-42b6-985f-a1be72c8583a" providerId="ADAL" clId="{26242DFE-4A71-4F09-B7ED-B2473E7BF690}" dt="2023-05-17T02:32:16.975" v="857" actId="26606"/>
+          <ac:cxnSpMkLst>
+            <pc:docMk/>
+            <pc:sldMk cId="3932414100" sldId="264"/>
+            <ac:cxnSpMk id="25" creationId="{A36D75B7-CF09-4927-A857-F377500265D8}"/>
+          </ac:cxnSpMkLst>
+        </pc:cxnChg>
       </pc:sldChg>
       <pc:sldChg chg="addSp delSp modSp new mod">
         <pc:chgData name="Yiwei Liang" userId="72d46054-3878-42b6-985f-a1be72c8583a" providerId="ADAL" clId="{26242DFE-4A71-4F09-B7ED-B2473E7BF690}" dt="2023-05-16T20:34:41.696" v="615" actId="1076"/>
@@ -639,7 +756,7 @@
         </pc:spChg>
       </pc:sldChg>
       <pc:sldChg chg="addSp modSp new mod">
-        <pc:chgData name="Yiwei Liang" userId="72d46054-3878-42b6-985f-a1be72c8583a" providerId="ADAL" clId="{26242DFE-4A71-4F09-B7ED-B2473E7BF690}" dt="2023-05-16T21:11:46.138" v="757" actId="122"/>
+        <pc:chgData name="Yiwei Liang" userId="72d46054-3878-42b6-985f-a1be72c8583a" providerId="ADAL" clId="{26242DFE-4A71-4F09-B7ED-B2473E7BF690}" dt="2023-05-17T02:38:11.598" v="884" actId="1076"/>
         <pc:sldMkLst>
           <pc:docMk/>
           <pc:sldMk cId="55954828" sldId="268"/>
@@ -653,7 +770,7 @@
           </ac:spMkLst>
         </pc:spChg>
         <pc:spChg chg="add mod">
-          <ac:chgData name="Yiwei Liang" userId="72d46054-3878-42b6-985f-a1be72c8583a" providerId="ADAL" clId="{26242DFE-4A71-4F09-B7ED-B2473E7BF690}" dt="2023-05-16T21:11:46.138" v="757" actId="122"/>
+          <ac:chgData name="Yiwei Liang" userId="72d46054-3878-42b6-985f-a1be72c8583a" providerId="ADAL" clId="{26242DFE-4A71-4F09-B7ED-B2473E7BF690}" dt="2023-05-17T02:38:11.598" v="884" actId="1076"/>
           <ac:spMkLst>
             <pc:docMk/>
             <pc:sldMk cId="55954828" sldId="268"/>
@@ -7048,8 +7165,8 @@
         </p:nvSpPr>
         <p:spPr>
           <a:xfrm>
-            <a:off x="2095500" y="3136959"/>
-            <a:ext cx="8000999" cy="1077218"/>
+            <a:off x="2095500" y="2644170"/>
+            <a:ext cx="8000999" cy="1569660"/>
           </a:xfrm>
           <a:prstGeom prst="rect">
             <a:avLst/>
@@ -7071,7 +7188,7 @@
                 <a:effectLst/>
                 <a:latin typeface="-apple-system"/>
               </a:rPr>
-              <a:t>In conclusion, the project is useful and meaningful as a tool and new solution</a:t>
+              <a:t>In conclusion, the project is useful and meaningful as a tool and new solution and still can be improved.</a:t>
             </a:r>
             <a:endParaRPr lang="zh-CN" altLang="en-US" sz="3200" dirty="0"/>
           </a:p>
@@ -7543,9 +7660,10 @@
               <a:buAutoNum type="arabicPeriod"/>
             </a:pPr>
             <a:r>
-              <a:rPr lang="en-US" altLang="zh-CN" sz="2200" dirty="0"/>
-              <a:t>Research Question:</a:t>
-            </a:r>
+              <a:rPr lang="en-US" altLang="zh-CN" sz="2200"/>
+              <a:t>Research Question</a:t>
+            </a:r>
+            <a:endParaRPr lang="en-US" altLang="zh-CN" sz="2200" dirty="0"/>
           </a:p>
           <a:p>
             <a:pPr marL="457200" indent="-457200" algn="ctr">
@@ -8513,6 +8631,15 @@
 <file path=ppt/slides/slide8.xml><?xml version="1.0" encoding="utf-8"?>
 <p:sld xmlns:a="http://schemas.openxmlformats.org/drawingml/2006/main" xmlns:r="http://schemas.openxmlformats.org/officeDocument/2006/relationships" xmlns:p="http://schemas.openxmlformats.org/presentationml/2006/main">
   <p:cSld>
+    <p:bg>
+      <p:bgPr>
+        <a:blipFill>
+          <a:blip r:embed="rId2"/>
+          <a:stretch/>
+        </a:blipFill>
+        <a:effectLst/>
+      </p:bgPr>
+    </p:bg>
     <p:spTree>
       <p:nvGrpSpPr>
         <p:cNvPr id="1" name=""/>
@@ -8527,6 +8654,541 @@
           <a:chExt cx="0" cy="0"/>
         </a:xfrm>
       </p:grpSpPr>
+      <p:grpSp>
+        <p:nvGrpSpPr>
+          <p:cNvPr id="21" name="Group 20">
+            <a:extLst>
+              <a:ext uri="{FF2B5EF4-FFF2-40B4-BE49-F238E27FC236}">
+                <a16:creationId xmlns:a16="http://schemas.microsoft.com/office/drawing/2014/main" id="{6BD642B1-E8A0-4B5B-8E4A-D8EF15A08E32}"/>
+              </a:ext>
+              <a:ext uri="{C183D7F6-B498-43B3-948B-1728B52AA6E4}">
+                <adec:decorative xmlns:adec="http://schemas.microsoft.com/office/drawing/2017/decorative" val="1"/>
+              </a:ext>
+            </a:extLst>
+          </p:cNvPr>
+          <p:cNvGrpSpPr>
+            <a:grpSpLocks noGrp="1" noUngrp="1" noRot="1" noChangeAspect="1" noMove="1" noResize="1"/>
+          </p:cNvGrpSpPr>
+          <p:nvPr>
+            <p:extLst>
+              <p:ext uri="{386F3935-93C4-4BCD-93E2-E3B085C9AB24}">
+                <p16:designElem xmlns:p16="http://schemas.microsoft.com/office/powerpoint/2015/main" val="1"/>
+              </p:ext>
+            </p:extLst>
+          </p:nvPr>
+        </p:nvGrpSpPr>
+        <p:grpSpPr>
+          <a:xfrm>
+            <a:off x="-16934" y="0"/>
+            <a:ext cx="12231160" cy="6856214"/>
+            <a:chOff x="-16934" y="0"/>
+            <a:chExt cx="12231160" cy="6856214"/>
+          </a:xfrm>
+        </p:grpSpPr>
+        <p:pic>
+          <p:nvPicPr>
+            <p:cNvPr id="22" name="Picture 21">
+              <a:extLst>
+                <a:ext uri="{FF2B5EF4-FFF2-40B4-BE49-F238E27FC236}">
+                  <a16:creationId xmlns:a16="http://schemas.microsoft.com/office/drawing/2014/main" id="{241D71B9-BFD9-40DE-BC3B-E64BA2895310}"/>
+                </a:ext>
+                <a:ext uri="{C183D7F6-B498-43B3-948B-1728B52AA6E4}">
+                  <adec:decorative xmlns:adec="http://schemas.microsoft.com/office/drawing/2017/decorative" val="1"/>
+                </a:ext>
+              </a:extLst>
+            </p:cNvPr>
+            <p:cNvPicPr>
+              <a:picLocks noChangeAspect="1"/>
+            </p:cNvPicPr>
+            <p:nvPr>
+              <p:extLst>
+                <p:ext uri="{386F3935-93C4-4BCD-93E2-E3B085C9AB24}">
+                  <p16:designElem xmlns:p16="http://schemas.microsoft.com/office/powerpoint/2015/main" val="1"/>
+                </p:ext>
+              </p:extLst>
+            </p:nvPr>
+          </p:nvPicPr>
+          <p:blipFill>
+            <a:blip r:embed="rId3">
+              <a:extLst>
+                <a:ext uri="{28A0092B-C50C-407E-A947-70E740481C1C}">
+                  <a14:useLocalDpi xmlns:a14="http://schemas.microsoft.com/office/drawing/2010/main" val="0"/>
+                </a:ext>
+              </a:extLst>
+            </a:blip>
+            <a:stretch>
+              <a:fillRect/>
+            </a:stretch>
+          </p:blipFill>
+          <p:spPr>
+            <a:xfrm>
+              <a:off x="0" y="0"/>
+              <a:ext cx="12188825" cy="6856214"/>
+            </a:xfrm>
+            <a:prstGeom prst="rect">
+              <a:avLst/>
+            </a:prstGeom>
+          </p:spPr>
+        </p:pic>
+        <p:sp>
+          <p:nvSpPr>
+            <p:cNvPr id="23" name="Rectangle 22">
+              <a:extLst>
+                <a:ext uri="{FF2B5EF4-FFF2-40B4-BE49-F238E27FC236}">
+                  <a16:creationId xmlns:a16="http://schemas.microsoft.com/office/drawing/2014/main" id="{D2504B9E-D812-4C78-9981-5F48C1288AEF}"/>
+                </a:ext>
+                <a:ext uri="{C183D7F6-B498-43B3-948B-1728B52AA6E4}">
+                  <adec:decorative xmlns:adec="http://schemas.microsoft.com/office/drawing/2017/decorative" val="1"/>
+                </a:ext>
+              </a:extLst>
+            </p:cNvPr>
+            <p:cNvSpPr/>
+            <p:nvPr>
+              <p:extLst>
+                <p:ext uri="{386F3935-93C4-4BCD-93E2-E3B085C9AB24}">
+                  <p16:designElem xmlns:p16="http://schemas.microsoft.com/office/powerpoint/2015/main" val="1"/>
+                </p:ext>
+              </p:extLst>
+            </p:nvPr>
+          </p:nvSpPr>
+          <p:spPr>
+            <a:xfrm>
+              <a:off x="2328332" y="1540931"/>
+              <a:ext cx="7543802" cy="3835401"/>
+            </a:xfrm>
+            <a:prstGeom prst="rect">
+              <a:avLst/>
+            </a:prstGeom>
+            <a:noFill/>
+            <a:ln w="15875">
+              <a:miter lim="800000"/>
+            </a:ln>
+          </p:spPr>
+          <p:style>
+            <a:lnRef idx="1">
+              <a:schemeClr val="accent1"/>
+            </a:lnRef>
+            <a:fillRef idx="3">
+              <a:schemeClr val="accent1"/>
+            </a:fillRef>
+            <a:effectRef idx="2">
+              <a:schemeClr val="accent1"/>
+            </a:effectRef>
+            <a:fontRef idx="minor">
+              <a:schemeClr val="lt1"/>
+            </a:fontRef>
+          </p:style>
+        </p:sp>
+        <p:pic>
+          <p:nvPicPr>
+            <p:cNvPr id="24" name="Picture 23">
+              <a:extLst>
+                <a:ext uri="{FF2B5EF4-FFF2-40B4-BE49-F238E27FC236}">
+                  <a16:creationId xmlns:a16="http://schemas.microsoft.com/office/drawing/2014/main" id="{2F886AB1-61BE-4427-BED7-571CF1EF1C82}"/>
+                </a:ext>
+                <a:ext uri="{C183D7F6-B498-43B3-948B-1728B52AA6E4}">
+                  <adec:decorative xmlns:adec="http://schemas.microsoft.com/office/drawing/2017/decorative" val="1"/>
+                </a:ext>
+              </a:extLst>
+            </p:cNvPr>
+            <p:cNvPicPr>
+              <a:picLocks noChangeAspect="1"/>
+            </p:cNvPicPr>
+            <p:nvPr>
+              <p:extLst>
+                <p:ext uri="{386F3935-93C4-4BCD-93E2-E3B085C9AB24}">
+                  <p16:designElem xmlns:p16="http://schemas.microsoft.com/office/powerpoint/2015/main" val="1"/>
+                </p:ext>
+              </p:extLst>
+            </p:nvPr>
+          </p:nvPicPr>
+          <p:blipFill rotWithShape="1">
+            <a:blip r:embed="rId4">
+              <a:extLst>
+                <a:ext uri="{28A0092B-C50C-407E-A947-70E740481C1C}">
+                  <a14:useLocalDpi xmlns:a14="http://schemas.microsoft.com/office/drawing/2010/main" val="0"/>
+                </a:ext>
+              </a:extLst>
+            </a:blip>
+            <a:srcRect/>
+            <a:stretch/>
+          </p:blipFill>
+          <p:spPr>
+            <a:xfrm>
+              <a:off x="-16934" y="3147609"/>
+              <a:ext cx="2478024" cy="612648"/>
+            </a:xfrm>
+            <a:prstGeom prst="rect">
+              <a:avLst/>
+            </a:prstGeom>
+          </p:spPr>
+        </p:pic>
+        <p:pic>
+          <p:nvPicPr>
+            <p:cNvPr id="25" name="Picture 24">
+              <a:extLst>
+                <a:ext uri="{FF2B5EF4-FFF2-40B4-BE49-F238E27FC236}">
+                  <a16:creationId xmlns:a16="http://schemas.microsoft.com/office/drawing/2014/main" id="{E912E8F6-1094-49C1-B7CD-CC46B33D6F84}"/>
+                </a:ext>
+                <a:ext uri="{C183D7F6-B498-43B3-948B-1728B52AA6E4}">
+                  <adec:decorative xmlns:adec="http://schemas.microsoft.com/office/drawing/2017/decorative" val="1"/>
+                </a:ext>
+              </a:extLst>
+            </p:cNvPr>
+            <p:cNvPicPr>
+              <a:picLocks noChangeAspect="1"/>
+            </p:cNvPicPr>
+            <p:nvPr>
+              <p:extLst>
+                <p:ext uri="{386F3935-93C4-4BCD-93E2-E3B085C9AB24}">
+                  <p16:designElem xmlns:p16="http://schemas.microsoft.com/office/powerpoint/2015/main" val="1"/>
+                </p:ext>
+              </p:extLst>
+            </p:nvPr>
+          </p:nvPicPr>
+          <p:blipFill rotWithShape="1">
+            <a:blip r:embed="rId4">
+              <a:extLst>
+                <a:ext uri="{28A0092B-C50C-407E-A947-70E740481C1C}">
+                  <a14:useLocalDpi xmlns:a14="http://schemas.microsoft.com/office/drawing/2010/main" val="0"/>
+                </a:ext>
+              </a:extLst>
+            </a:blip>
+            <a:srcRect/>
+            <a:stretch/>
+          </p:blipFill>
+          <p:spPr>
+            <a:xfrm>
+              <a:off x="9736202" y="3147609"/>
+              <a:ext cx="2478024" cy="612648"/>
+            </a:xfrm>
+            <a:prstGeom prst="rect">
+              <a:avLst/>
+            </a:prstGeom>
+          </p:spPr>
+        </p:pic>
+      </p:grpSp>
+      <p:cxnSp>
+        <p:nvCxnSpPr>
+          <p:cNvPr id="27" name="Straight Connector 26">
+            <a:extLst>
+              <a:ext uri="{FF2B5EF4-FFF2-40B4-BE49-F238E27FC236}">
+                <a16:creationId xmlns:a16="http://schemas.microsoft.com/office/drawing/2014/main" id="{1870FE29-3AF7-4226-8303-7C1B0B8E1F68}"/>
+              </a:ext>
+              <a:ext uri="{C183D7F6-B498-43B3-948B-1728B52AA6E4}">
+                <adec:decorative xmlns:adec="http://schemas.microsoft.com/office/drawing/2017/decorative" val="1"/>
+              </a:ext>
+            </a:extLst>
+          </p:cNvPr>
+          <p:cNvCxnSpPr>
+            <a:cxnSpLocks noGrp="1" noRot="1" noChangeAspect="1" noMove="1" noResize="1" noEditPoints="1" noAdjustHandles="1" noChangeArrowheads="1" noChangeShapeType="1"/>
+          </p:cNvCxnSpPr>
+          <p:nvPr>
+            <p:extLst>
+              <p:ext uri="{386F3935-93C4-4BCD-93E2-E3B085C9AB24}">
+                <p16:designElem xmlns:p16="http://schemas.microsoft.com/office/powerpoint/2015/main" val="1"/>
+              </p:ext>
+            </p:extLst>
+          </p:nvPr>
+        </p:nvCxnSpPr>
+        <p:spPr>
+          <a:xfrm>
+            <a:off x="2692399" y="3522131"/>
+            <a:ext cx="6815668" cy="0"/>
+          </a:xfrm>
+          <a:prstGeom prst="line">
+            <a:avLst/>
+          </a:prstGeom>
+        </p:spPr>
+        <p:style>
+          <a:lnRef idx="2">
+            <a:schemeClr val="accent1"/>
+          </a:lnRef>
+          <a:fillRef idx="0">
+            <a:schemeClr val="accent1"/>
+          </a:fillRef>
+          <a:effectRef idx="1">
+            <a:schemeClr val="accent1"/>
+          </a:effectRef>
+          <a:fontRef idx="minor">
+            <a:schemeClr val="tx1"/>
+          </a:fontRef>
+        </p:style>
+      </p:cxnSp>
+      <p:sp useBgFill="1">
+        <p:nvSpPr>
+          <p:cNvPr id="29" name="Rectangle 28">
+            <a:extLst>
+              <a:ext uri="{FF2B5EF4-FFF2-40B4-BE49-F238E27FC236}">
+                <a16:creationId xmlns:a16="http://schemas.microsoft.com/office/drawing/2014/main" id="{AAE3107B-714A-461C-AC2A-394A70CFC733}"/>
+              </a:ext>
+              <a:ext uri="{C183D7F6-B498-43B3-948B-1728B52AA6E4}">
+                <adec:decorative xmlns:adec="http://schemas.microsoft.com/office/drawing/2017/decorative" val="1"/>
+              </a:ext>
+            </a:extLst>
+          </p:cNvPr>
+          <p:cNvSpPr>
+            <a:spLocks noGrp="1" noRot="1" noChangeAspect="1" noMove="1" noResize="1" noEditPoints="1" noAdjustHandles="1" noChangeArrowheads="1" noChangeShapeType="1" noTextEdit="1"/>
+          </p:cNvSpPr>
+          <p:nvPr>
+            <p:extLst>
+              <p:ext uri="{386F3935-93C4-4BCD-93E2-E3B085C9AB24}">
+                <p16:designElem xmlns:p16="http://schemas.microsoft.com/office/powerpoint/2015/main" val="1"/>
+              </p:ext>
+            </p:extLst>
+          </p:nvPr>
+        </p:nvSpPr>
+        <p:spPr>
+          <a:xfrm>
+            <a:off x="0" y="0"/>
+            <a:ext cx="12188952" cy="6858000"/>
+          </a:xfrm>
+          <a:prstGeom prst="rect">
+            <a:avLst/>
+          </a:prstGeom>
+          <a:ln>
+            <a:noFill/>
+          </a:ln>
+        </p:spPr>
+        <p:style>
+          <a:lnRef idx="2">
+            <a:schemeClr val="accent1">
+              <a:shade val="50000"/>
+            </a:schemeClr>
+          </a:lnRef>
+          <a:fillRef idx="1">
+            <a:schemeClr val="accent1"/>
+          </a:fillRef>
+          <a:effectRef idx="0">
+            <a:schemeClr val="accent1"/>
+          </a:effectRef>
+          <a:fontRef idx="minor">
+            <a:schemeClr val="lt1"/>
+          </a:fontRef>
+        </p:style>
+        <p:txBody>
+          <a:bodyPr rtlCol="0" anchor="ctr"/>
+          <a:lstStyle/>
+          <a:p>
+            <a:pPr algn="ctr"/>
+            <a:endParaRPr lang="en-US"/>
+          </a:p>
+        </p:txBody>
+      </p:sp>
+      <p:grpSp>
+        <p:nvGrpSpPr>
+          <p:cNvPr id="31" name="Group 30">
+            <a:extLst>
+              <a:ext uri="{FF2B5EF4-FFF2-40B4-BE49-F238E27FC236}">
+                <a16:creationId xmlns:a16="http://schemas.microsoft.com/office/drawing/2014/main" id="{AB3F6FE8-AF7E-4703-AB78-FD9AFD2AC2D4}"/>
+              </a:ext>
+              <a:ext uri="{C183D7F6-B498-43B3-948B-1728B52AA6E4}">
+                <adec:decorative xmlns:adec="http://schemas.microsoft.com/office/drawing/2017/decorative" val="1"/>
+              </a:ext>
+            </a:extLst>
+          </p:cNvPr>
+          <p:cNvGrpSpPr>
+            <a:grpSpLocks noGrp="1" noUngrp="1" noRot="1" noChangeAspect="1" noMove="1" noResize="1"/>
+          </p:cNvGrpSpPr>
+          <p:nvPr>
+            <p:extLst>
+              <p:ext uri="{386F3935-93C4-4BCD-93E2-E3B085C9AB24}">
+                <p16:designElem xmlns:p16="http://schemas.microsoft.com/office/powerpoint/2015/main" val="1"/>
+              </p:ext>
+            </p:extLst>
+          </p:nvPr>
+        </p:nvGrpSpPr>
+        <p:grpSpPr>
+          <a:xfrm>
+            <a:off x="-15736" y="0"/>
+            <a:ext cx="12229962" cy="6856214"/>
+            <a:chOff x="-15736" y="0"/>
+            <a:chExt cx="12229962" cy="6856214"/>
+          </a:xfrm>
+        </p:grpSpPr>
+        <p:pic>
+          <p:nvPicPr>
+            <p:cNvPr id="32" name="Picture 31">
+              <a:extLst>
+                <a:ext uri="{FF2B5EF4-FFF2-40B4-BE49-F238E27FC236}">
+                  <a16:creationId xmlns:a16="http://schemas.microsoft.com/office/drawing/2014/main" id="{B6E95CD8-B3B8-425C-8484-D08634E4BEF3}"/>
+                </a:ext>
+                <a:ext uri="{C183D7F6-B498-43B3-948B-1728B52AA6E4}">
+                  <adec:decorative xmlns:adec="http://schemas.microsoft.com/office/drawing/2017/decorative" val="1"/>
+                </a:ext>
+              </a:extLst>
+            </p:cNvPr>
+            <p:cNvPicPr>
+              <a:picLocks noChangeAspect="1"/>
+            </p:cNvPicPr>
+            <p:nvPr>
+              <p:extLst>
+                <p:ext uri="{386F3935-93C4-4BCD-93E2-E3B085C9AB24}">
+                  <p16:designElem xmlns:p16="http://schemas.microsoft.com/office/powerpoint/2015/main" val="1"/>
+                </p:ext>
+              </p:extLst>
+            </p:nvPr>
+          </p:nvPicPr>
+          <p:blipFill>
+            <a:blip r:embed="rId5">
+              <a:extLst>
+                <a:ext uri="{28A0092B-C50C-407E-A947-70E740481C1C}">
+                  <a14:useLocalDpi xmlns:a14="http://schemas.microsoft.com/office/drawing/2010/main" val="0"/>
+                </a:ext>
+              </a:extLst>
+            </a:blip>
+            <a:stretch>
+              <a:fillRect/>
+            </a:stretch>
+          </p:blipFill>
+          <p:spPr>
+            <a:xfrm>
+              <a:off x="0" y="0"/>
+              <a:ext cx="12188825" cy="6856214"/>
+            </a:xfrm>
+            <a:prstGeom prst="rect">
+              <a:avLst/>
+            </a:prstGeom>
+          </p:spPr>
+        </p:pic>
+        <p:sp>
+          <p:nvSpPr>
+            <p:cNvPr id="33" name="Rectangle 32">
+              <a:extLst>
+                <a:ext uri="{FF2B5EF4-FFF2-40B4-BE49-F238E27FC236}">
+                  <a16:creationId xmlns:a16="http://schemas.microsoft.com/office/drawing/2014/main" id="{5395F701-DCB7-480C-817B-538CD262B719}"/>
+                </a:ext>
+                <a:ext uri="{C183D7F6-B498-43B3-948B-1728B52AA6E4}">
+                  <adec:decorative xmlns:adec="http://schemas.microsoft.com/office/drawing/2017/decorative" val="1"/>
+                </a:ext>
+              </a:extLst>
+            </p:cNvPr>
+            <p:cNvSpPr/>
+            <p:nvPr>
+              <p:extLst>
+                <p:ext uri="{386F3935-93C4-4BCD-93E2-E3B085C9AB24}">
+                  <p16:designElem xmlns:p16="http://schemas.microsoft.com/office/powerpoint/2015/main" val="1"/>
+                </p:ext>
+              </p:extLst>
+            </p:nvPr>
+          </p:nvSpPr>
+          <p:spPr>
+            <a:xfrm>
+              <a:off x="608012" y="609600"/>
+              <a:ext cx="10972800" cy="5638800"/>
+            </a:xfrm>
+            <a:prstGeom prst="rect">
+              <a:avLst/>
+            </a:prstGeom>
+            <a:noFill/>
+            <a:ln w="15875" cap="flat">
+              <a:miter lim="800000"/>
+            </a:ln>
+          </p:spPr>
+          <p:style>
+            <a:lnRef idx="1">
+              <a:schemeClr val="accent1"/>
+            </a:lnRef>
+            <a:fillRef idx="3">
+              <a:schemeClr val="accent1"/>
+            </a:fillRef>
+            <a:effectRef idx="2">
+              <a:schemeClr val="accent1"/>
+            </a:effectRef>
+            <a:fontRef idx="minor">
+              <a:schemeClr val="lt1"/>
+            </a:fontRef>
+          </p:style>
+        </p:sp>
+        <p:pic>
+          <p:nvPicPr>
+            <p:cNvPr id="34" name="Picture 33">
+              <a:extLst>
+                <a:ext uri="{FF2B5EF4-FFF2-40B4-BE49-F238E27FC236}">
+                  <a16:creationId xmlns:a16="http://schemas.microsoft.com/office/drawing/2014/main" id="{C7BFDE70-806B-4B63-9B0E-CC97A2E355DC}"/>
+                </a:ext>
+                <a:ext uri="{C183D7F6-B498-43B3-948B-1728B52AA6E4}">
+                  <adec:decorative xmlns:adec="http://schemas.microsoft.com/office/drawing/2017/decorative" val="1"/>
+                </a:ext>
+              </a:extLst>
+            </p:cNvPr>
+            <p:cNvPicPr>
+              <a:picLocks noChangeAspect="1"/>
+            </p:cNvPicPr>
+            <p:nvPr>
+              <p:extLst>
+                <p:ext uri="{386F3935-93C4-4BCD-93E2-E3B085C9AB24}">
+                  <p16:designElem xmlns:p16="http://schemas.microsoft.com/office/powerpoint/2015/main" val="1"/>
+                </p:ext>
+              </p:extLst>
+            </p:nvPr>
+          </p:nvPicPr>
+          <p:blipFill rotWithShape="1">
+            <a:blip r:embed="rId6">
+              <a:extLst>
+                <a:ext uri="{28A0092B-C50C-407E-A947-70E740481C1C}">
+                  <a14:useLocalDpi xmlns:a14="http://schemas.microsoft.com/office/drawing/2010/main" val="0"/>
+                </a:ext>
+              </a:extLst>
+            </a:blip>
+            <a:srcRect/>
+            <a:stretch/>
+          </p:blipFill>
+          <p:spPr>
+            <a:xfrm>
+              <a:off x="-15736" y="3153832"/>
+              <a:ext cx="777240" cy="606425"/>
+            </a:xfrm>
+            <a:prstGeom prst="rect">
+              <a:avLst/>
+            </a:prstGeom>
+          </p:spPr>
+        </p:pic>
+        <p:pic>
+          <p:nvPicPr>
+            <p:cNvPr id="35" name="Picture 34">
+              <a:extLst>
+                <a:ext uri="{FF2B5EF4-FFF2-40B4-BE49-F238E27FC236}">
+                  <a16:creationId xmlns:a16="http://schemas.microsoft.com/office/drawing/2014/main" id="{B4FC4EAC-1FD8-4625-8AFF-04A04361319C}"/>
+                </a:ext>
+                <a:ext uri="{C183D7F6-B498-43B3-948B-1728B52AA6E4}">
+                  <adec:decorative xmlns:adec="http://schemas.microsoft.com/office/drawing/2017/decorative" val="1"/>
+                </a:ext>
+              </a:extLst>
+            </p:cNvPr>
+            <p:cNvPicPr>
+              <a:picLocks noChangeAspect="1"/>
+            </p:cNvPicPr>
+            <p:nvPr>
+              <p:extLst>
+                <p:ext uri="{386F3935-93C4-4BCD-93E2-E3B085C9AB24}">
+                  <p16:designElem xmlns:p16="http://schemas.microsoft.com/office/powerpoint/2015/main" val="1"/>
+                </p:ext>
+              </p:extLst>
+            </p:nvPr>
+          </p:nvPicPr>
+          <p:blipFill rotWithShape="1">
+            <a:blip r:embed="rId6">
+              <a:extLst>
+                <a:ext uri="{28A0092B-C50C-407E-A947-70E740481C1C}">
+                  <a14:useLocalDpi xmlns:a14="http://schemas.microsoft.com/office/drawing/2010/main" val="0"/>
+                </a:ext>
+              </a:extLst>
+            </a:blip>
+            <a:srcRect/>
+            <a:stretch/>
+          </p:blipFill>
+          <p:spPr>
+            <a:xfrm>
+              <a:off x="11436986" y="3153832"/>
+              <a:ext cx="777240" cy="606425"/>
+            </a:xfrm>
+            <a:prstGeom prst="rect">
+              <a:avLst/>
+            </a:prstGeom>
+          </p:spPr>
+        </p:pic>
+      </p:grpSp>
       <p:sp>
         <p:nvSpPr>
           <p:cNvPr id="2" name="文本框 1">
@@ -8541,28 +9203,200 @@
         </p:nvSpPr>
         <p:spPr>
           <a:xfrm>
-            <a:off x="652530" y="661116"/>
-            <a:ext cx="4898264" cy="615553"/>
+            <a:off x="1119884" y="1041401"/>
+            <a:ext cx="4511664" cy="2345264"/>
           </a:xfrm>
           <a:prstGeom prst="rect">
             <a:avLst/>
           </a:prstGeom>
-          <a:noFill/>
         </p:spPr>
         <p:txBody>
-          <a:bodyPr wrap="square" rtlCol="0">
-            <a:spAutoFit/>
+          <a:bodyPr vert="horz" lIns="91440" tIns="45720" rIns="91440" bIns="45720" rtlCol="0" anchor="b">
+            <a:normAutofit/>
           </a:bodyPr>
           <a:lstStyle/>
           <a:p>
-            <a:r>
-              <a:rPr lang="en-US" altLang="zh-CN" sz="3400" dirty="0"/>
+            <a:pPr algn="ctr">
+              <a:spcBef>
+                <a:spcPct val="0"/>
+              </a:spcBef>
+              <a:spcAft>
+                <a:spcPts val="600"/>
+              </a:spcAft>
+            </a:pPr>
+            <a:r>
+              <a:rPr lang="en-US" altLang="zh-CN" sz="5400" kern="1200" cap="none" dirty="0">
+                <a:ln w="3175" cmpd="sng">
+                  <a:noFill/>
+                </a:ln>
+                <a:solidFill>
+                  <a:schemeClr val="tx1">
+                    <a:lumMod val="85000"/>
+                    <a:lumOff val="15000"/>
+                  </a:schemeClr>
+                </a:solidFill>
+                <a:effectLst/>
+                <a:latin typeface="+mj-lt"/>
+                <a:ea typeface="+mj-ea"/>
+                <a:cs typeface="+mj-cs"/>
+              </a:rPr>
               <a:t>Results</a:t>
             </a:r>
-            <a:endParaRPr lang="zh-CN" altLang="en-US" sz="3400" dirty="0"/>
-          </a:p>
-        </p:txBody>
-      </p:sp>
+          </a:p>
+        </p:txBody>
+      </p:sp>
+      <p:cxnSp>
+        <p:nvCxnSpPr>
+          <p:cNvPr id="37" name="Straight Connector 36">
+            <a:extLst>
+              <a:ext uri="{FF2B5EF4-FFF2-40B4-BE49-F238E27FC236}">
+                <a16:creationId xmlns:a16="http://schemas.microsoft.com/office/drawing/2014/main" id="{A36D75B7-CF09-4927-A857-F377500265D8}"/>
+              </a:ext>
+              <a:ext uri="{C183D7F6-B498-43B3-948B-1728B52AA6E4}">
+                <adec:decorative xmlns:adec="http://schemas.microsoft.com/office/drawing/2017/decorative" val="1"/>
+              </a:ext>
+            </a:extLst>
+          </p:cNvPr>
+          <p:cNvCxnSpPr>
+            <a:cxnSpLocks noGrp="1" noRot="1" noChangeAspect="1" noMove="1" noResize="1" noEditPoints="1" noAdjustHandles="1" noChangeArrowheads="1" noChangeShapeType="1"/>
+          </p:cNvCxnSpPr>
+          <p:nvPr>
+            <p:extLst>
+              <p:ext uri="{386F3935-93C4-4BCD-93E2-E3B085C9AB24}">
+                <p16:designElem xmlns:p16="http://schemas.microsoft.com/office/powerpoint/2015/main" val="1"/>
+              </p:ext>
+            </p:extLst>
+          </p:nvPr>
+        </p:nvCxnSpPr>
+        <p:spPr>
+          <a:xfrm>
+            <a:off x="1592636" y="3509772"/>
+            <a:ext cx="3566160" cy="12359"/>
+          </a:xfrm>
+          <a:prstGeom prst="line">
+            <a:avLst/>
+          </a:prstGeom>
+        </p:spPr>
+        <p:style>
+          <a:lnRef idx="2">
+            <a:schemeClr val="accent1"/>
+          </a:lnRef>
+          <a:fillRef idx="0">
+            <a:schemeClr val="accent1"/>
+          </a:fillRef>
+          <a:effectRef idx="1">
+            <a:schemeClr val="accent1"/>
+          </a:effectRef>
+          <a:fontRef idx="minor">
+            <a:schemeClr val="tx1"/>
+          </a:fontRef>
+        </p:style>
+      </p:cxnSp>
+      <p:sp>
+        <p:nvSpPr>
+          <p:cNvPr id="39" name="Rectangle 38">
+            <a:extLst>
+              <a:ext uri="{FF2B5EF4-FFF2-40B4-BE49-F238E27FC236}">
+                <a16:creationId xmlns:a16="http://schemas.microsoft.com/office/drawing/2014/main" id="{0E0A986F-4D9A-4E32-8DBD-A2B117A24F1A}"/>
+              </a:ext>
+              <a:ext uri="{C183D7F6-B498-43B3-948B-1728B52AA6E4}">
+                <adec:decorative xmlns:adec="http://schemas.microsoft.com/office/drawing/2017/decorative" val="1"/>
+              </a:ext>
+            </a:extLst>
+          </p:cNvPr>
+          <p:cNvSpPr>
+            <a:spLocks noGrp="1" noRot="1" noChangeAspect="1" noMove="1" noResize="1" noEditPoints="1" noAdjustHandles="1" noChangeArrowheads="1" noChangeShapeType="1" noTextEdit="1"/>
+          </p:cNvSpPr>
+          <p:nvPr>
+            <p:extLst>
+              <p:ext uri="{386F3935-93C4-4BCD-93E2-E3B085C9AB24}">
+                <p16:designElem xmlns:p16="http://schemas.microsoft.com/office/powerpoint/2015/main" val="1"/>
+              </p:ext>
+            </p:extLst>
+          </p:nvPr>
+        </p:nvSpPr>
+        <p:spPr>
+          <a:xfrm>
+            <a:off x="6145770" y="1092200"/>
+            <a:ext cx="5003356" cy="4705096"/>
+          </a:xfrm>
+          <a:prstGeom prst="rect">
+            <a:avLst/>
+          </a:prstGeom>
+          <a:solidFill>
+            <a:schemeClr val="bg1"/>
+          </a:solidFill>
+          <a:ln w="57150" cmpd="thickThin">
+            <a:solidFill>
+              <a:schemeClr val="tx1">
+                <a:lumMod val="50000"/>
+                <a:lumOff val="50000"/>
+              </a:schemeClr>
+            </a:solidFill>
+            <a:miter lim="800000"/>
+          </a:ln>
+        </p:spPr>
+        <p:style>
+          <a:lnRef idx="2">
+            <a:schemeClr val="accent1">
+              <a:shade val="50000"/>
+            </a:schemeClr>
+          </a:lnRef>
+          <a:fillRef idx="1">
+            <a:schemeClr val="accent1"/>
+          </a:fillRef>
+          <a:effectRef idx="0">
+            <a:schemeClr val="accent1"/>
+          </a:effectRef>
+          <a:fontRef idx="minor">
+            <a:schemeClr val="lt1"/>
+          </a:fontRef>
+        </p:style>
+        <p:txBody>
+          <a:bodyPr rtlCol="0" anchor="ctr"/>
+          <a:lstStyle/>
+          <a:p>
+            <a:pPr algn="ctr"/>
+            <a:endParaRPr lang="en-US"/>
+          </a:p>
+        </p:txBody>
+      </p:sp>
+      <p:pic>
+        <p:nvPicPr>
+          <p:cNvPr id="3" name="图片 2" descr="图表, 折线图&#10;&#10;描述已自动生成">
+            <a:extLst>
+              <a:ext uri="{FF2B5EF4-FFF2-40B4-BE49-F238E27FC236}">
+                <a16:creationId xmlns:a16="http://schemas.microsoft.com/office/drawing/2014/main" id="{0200929C-2778-7C90-68B9-9382B92B6D46}"/>
+              </a:ext>
+            </a:extLst>
+          </p:cNvPr>
+          <p:cNvPicPr>
+            <a:picLocks noChangeAspect="1"/>
+          </p:cNvPicPr>
+          <p:nvPr/>
+        </p:nvPicPr>
+        <p:blipFill>
+          <a:blip r:embed="rId7">
+            <a:extLst>
+              <a:ext uri="{28A0092B-C50C-407E-A947-70E740481C1C}">
+                <a14:useLocalDpi xmlns:a14="http://schemas.microsoft.com/office/drawing/2010/main" val="0"/>
+              </a:ext>
+            </a:extLst>
+          </a:blip>
+          <a:stretch>
+            <a:fillRect/>
+          </a:stretch>
+        </p:blipFill>
+        <p:spPr>
+          <a:xfrm>
+            <a:off x="6577868" y="1253744"/>
+            <a:ext cx="4118312" cy="2131227"/>
+          </a:xfrm>
+          <a:prstGeom prst="rect">
+            <a:avLst/>
+          </a:prstGeom>
+        </p:spPr>
+      </p:pic>
       <p:pic>
         <p:nvPicPr>
           <p:cNvPr id="16" name="图片 15" descr="图表, 图示&#10;&#10;中度可信度描述已自动生成">
@@ -8578,7 +9412,7 @@
           <p:nvPr/>
         </p:nvPicPr>
         <p:blipFill>
-          <a:blip r:embed="rId2">
+          <a:blip r:embed="rId8">
             <a:extLst>
               <a:ext uri="{28A0092B-C50C-407E-A947-70E740481C1C}">
                 <a14:useLocalDpi xmlns:a14="http://schemas.microsoft.com/office/drawing/2010/main" val="0"/>
@@ -8591,44 +9425,8 @@
         </p:blipFill>
         <p:spPr>
           <a:xfrm>
-            <a:off x="3055590" y="624299"/>
-            <a:ext cx="5868298" cy="2804701"/>
-          </a:xfrm>
-          <a:prstGeom prst="rect">
-            <a:avLst/>
-          </a:prstGeom>
-        </p:spPr>
-      </p:pic>
-      <p:pic>
-        <p:nvPicPr>
-          <p:cNvPr id="18" name="图片 17" descr="图示&#10;&#10;描述已自动生成">
-            <a:extLst>
-              <a:ext uri="{FF2B5EF4-FFF2-40B4-BE49-F238E27FC236}">
-                <a16:creationId xmlns:a16="http://schemas.microsoft.com/office/drawing/2014/main" id="{52726197-0E24-39A2-DA8A-1E54FB1E5E34}"/>
-              </a:ext>
-            </a:extLst>
-          </p:cNvPr>
-          <p:cNvPicPr>
-            <a:picLocks noChangeAspect="1"/>
-          </p:cNvPicPr>
-          <p:nvPr/>
-        </p:nvPicPr>
-        <p:blipFill>
-          <a:blip r:embed="rId3">
-            <a:extLst>
-              <a:ext uri="{28A0092B-C50C-407E-A947-70E740481C1C}">
-                <a14:useLocalDpi xmlns:a14="http://schemas.microsoft.com/office/drawing/2010/main" val="0"/>
-              </a:ext>
-            </a:extLst>
-          </a:blip>
-          <a:stretch>
-            <a:fillRect/>
-          </a:stretch>
-        </p:blipFill>
-        <p:spPr>
-          <a:xfrm>
-            <a:off x="3055591" y="3429000"/>
-            <a:ext cx="5868298" cy="2834475"/>
+            <a:off x="6423762" y="3522131"/>
+            <a:ext cx="4415081" cy="2108201"/>
           </a:xfrm>
           <a:prstGeom prst="rect">
             <a:avLst/>
@@ -8651,6 +9449,15 @@
 <file path=ppt/slides/slide9.xml><?xml version="1.0" encoding="utf-8"?>
 <p:sld xmlns:a="http://schemas.openxmlformats.org/drawingml/2006/main" xmlns:r="http://schemas.openxmlformats.org/officeDocument/2006/relationships" xmlns:p="http://schemas.openxmlformats.org/presentationml/2006/main">
   <p:cSld>
+    <p:bg>
+      <p:bgPr>
+        <a:blipFill>
+          <a:blip r:embed="rId2"/>
+          <a:stretch/>
+        </a:blipFill>
+        <a:effectLst/>
+      </p:bgPr>
+    </p:bg>
     <p:spTree>
       <p:nvGrpSpPr>
         <p:cNvPr id="1" name=""/>
@@ -8665,6 +9472,541 @@
           <a:chExt cx="0" cy="0"/>
         </a:xfrm>
       </p:grpSpPr>
+      <p:grpSp>
+        <p:nvGrpSpPr>
+          <p:cNvPr id="9" name="Group 8">
+            <a:extLst>
+              <a:ext uri="{FF2B5EF4-FFF2-40B4-BE49-F238E27FC236}">
+                <a16:creationId xmlns:a16="http://schemas.microsoft.com/office/drawing/2014/main" id="{6BD642B1-E8A0-4B5B-8E4A-D8EF15A08E32}"/>
+              </a:ext>
+              <a:ext uri="{C183D7F6-B498-43B3-948B-1728B52AA6E4}">
+                <adec:decorative xmlns:adec="http://schemas.microsoft.com/office/drawing/2017/decorative" val="1"/>
+              </a:ext>
+            </a:extLst>
+          </p:cNvPr>
+          <p:cNvGrpSpPr>
+            <a:grpSpLocks noGrp="1" noUngrp="1" noRot="1" noChangeAspect="1" noMove="1" noResize="1"/>
+          </p:cNvGrpSpPr>
+          <p:nvPr>
+            <p:extLst>
+              <p:ext uri="{386F3935-93C4-4BCD-93E2-E3B085C9AB24}">
+                <p16:designElem xmlns:p16="http://schemas.microsoft.com/office/powerpoint/2015/main" val="1"/>
+              </p:ext>
+            </p:extLst>
+          </p:nvPr>
+        </p:nvGrpSpPr>
+        <p:grpSpPr>
+          <a:xfrm>
+            <a:off x="-16934" y="0"/>
+            <a:ext cx="12231160" cy="6856214"/>
+            <a:chOff x="-16934" y="0"/>
+            <a:chExt cx="12231160" cy="6856214"/>
+          </a:xfrm>
+        </p:grpSpPr>
+        <p:pic>
+          <p:nvPicPr>
+            <p:cNvPr id="10" name="Picture 9">
+              <a:extLst>
+                <a:ext uri="{FF2B5EF4-FFF2-40B4-BE49-F238E27FC236}">
+                  <a16:creationId xmlns:a16="http://schemas.microsoft.com/office/drawing/2014/main" id="{241D71B9-BFD9-40DE-BC3B-E64BA2895310}"/>
+                </a:ext>
+                <a:ext uri="{C183D7F6-B498-43B3-948B-1728B52AA6E4}">
+                  <adec:decorative xmlns:adec="http://schemas.microsoft.com/office/drawing/2017/decorative" val="1"/>
+                </a:ext>
+              </a:extLst>
+            </p:cNvPr>
+            <p:cNvPicPr>
+              <a:picLocks noChangeAspect="1"/>
+            </p:cNvPicPr>
+            <p:nvPr>
+              <p:extLst>
+                <p:ext uri="{386F3935-93C4-4BCD-93E2-E3B085C9AB24}">
+                  <p16:designElem xmlns:p16="http://schemas.microsoft.com/office/powerpoint/2015/main" val="1"/>
+                </p:ext>
+              </p:extLst>
+            </p:nvPr>
+          </p:nvPicPr>
+          <p:blipFill>
+            <a:blip r:embed="rId3">
+              <a:extLst>
+                <a:ext uri="{28A0092B-C50C-407E-A947-70E740481C1C}">
+                  <a14:useLocalDpi xmlns:a14="http://schemas.microsoft.com/office/drawing/2010/main" val="0"/>
+                </a:ext>
+              </a:extLst>
+            </a:blip>
+            <a:stretch>
+              <a:fillRect/>
+            </a:stretch>
+          </p:blipFill>
+          <p:spPr>
+            <a:xfrm>
+              <a:off x="0" y="0"/>
+              <a:ext cx="12188825" cy="6856214"/>
+            </a:xfrm>
+            <a:prstGeom prst="rect">
+              <a:avLst/>
+            </a:prstGeom>
+          </p:spPr>
+        </p:pic>
+        <p:sp>
+          <p:nvSpPr>
+            <p:cNvPr id="11" name="Rectangle 10">
+              <a:extLst>
+                <a:ext uri="{FF2B5EF4-FFF2-40B4-BE49-F238E27FC236}">
+                  <a16:creationId xmlns:a16="http://schemas.microsoft.com/office/drawing/2014/main" id="{D2504B9E-D812-4C78-9981-5F48C1288AEF}"/>
+                </a:ext>
+                <a:ext uri="{C183D7F6-B498-43B3-948B-1728B52AA6E4}">
+                  <adec:decorative xmlns:adec="http://schemas.microsoft.com/office/drawing/2017/decorative" val="1"/>
+                </a:ext>
+              </a:extLst>
+            </p:cNvPr>
+            <p:cNvSpPr/>
+            <p:nvPr>
+              <p:extLst>
+                <p:ext uri="{386F3935-93C4-4BCD-93E2-E3B085C9AB24}">
+                  <p16:designElem xmlns:p16="http://schemas.microsoft.com/office/powerpoint/2015/main" val="1"/>
+                </p:ext>
+              </p:extLst>
+            </p:nvPr>
+          </p:nvSpPr>
+          <p:spPr>
+            <a:xfrm>
+              <a:off x="2328332" y="1540931"/>
+              <a:ext cx="7543802" cy="3835401"/>
+            </a:xfrm>
+            <a:prstGeom prst="rect">
+              <a:avLst/>
+            </a:prstGeom>
+            <a:noFill/>
+            <a:ln w="15875">
+              <a:miter lim="800000"/>
+            </a:ln>
+          </p:spPr>
+          <p:style>
+            <a:lnRef idx="1">
+              <a:schemeClr val="accent1"/>
+            </a:lnRef>
+            <a:fillRef idx="3">
+              <a:schemeClr val="accent1"/>
+            </a:fillRef>
+            <a:effectRef idx="2">
+              <a:schemeClr val="accent1"/>
+            </a:effectRef>
+            <a:fontRef idx="minor">
+              <a:schemeClr val="lt1"/>
+            </a:fontRef>
+          </p:style>
+        </p:sp>
+        <p:pic>
+          <p:nvPicPr>
+            <p:cNvPr id="12" name="Picture 11">
+              <a:extLst>
+                <a:ext uri="{FF2B5EF4-FFF2-40B4-BE49-F238E27FC236}">
+                  <a16:creationId xmlns:a16="http://schemas.microsoft.com/office/drawing/2014/main" id="{2F886AB1-61BE-4427-BED7-571CF1EF1C82}"/>
+                </a:ext>
+                <a:ext uri="{C183D7F6-B498-43B3-948B-1728B52AA6E4}">
+                  <adec:decorative xmlns:adec="http://schemas.microsoft.com/office/drawing/2017/decorative" val="1"/>
+                </a:ext>
+              </a:extLst>
+            </p:cNvPr>
+            <p:cNvPicPr>
+              <a:picLocks noChangeAspect="1"/>
+            </p:cNvPicPr>
+            <p:nvPr>
+              <p:extLst>
+                <p:ext uri="{386F3935-93C4-4BCD-93E2-E3B085C9AB24}">
+                  <p16:designElem xmlns:p16="http://schemas.microsoft.com/office/powerpoint/2015/main" val="1"/>
+                </p:ext>
+              </p:extLst>
+            </p:nvPr>
+          </p:nvPicPr>
+          <p:blipFill rotWithShape="1">
+            <a:blip r:embed="rId4">
+              <a:extLst>
+                <a:ext uri="{28A0092B-C50C-407E-A947-70E740481C1C}">
+                  <a14:useLocalDpi xmlns:a14="http://schemas.microsoft.com/office/drawing/2010/main" val="0"/>
+                </a:ext>
+              </a:extLst>
+            </a:blip>
+            <a:srcRect/>
+            <a:stretch/>
+          </p:blipFill>
+          <p:spPr>
+            <a:xfrm>
+              <a:off x="-16934" y="3147609"/>
+              <a:ext cx="2478024" cy="612648"/>
+            </a:xfrm>
+            <a:prstGeom prst="rect">
+              <a:avLst/>
+            </a:prstGeom>
+          </p:spPr>
+        </p:pic>
+        <p:pic>
+          <p:nvPicPr>
+            <p:cNvPr id="13" name="Picture 12">
+              <a:extLst>
+                <a:ext uri="{FF2B5EF4-FFF2-40B4-BE49-F238E27FC236}">
+                  <a16:creationId xmlns:a16="http://schemas.microsoft.com/office/drawing/2014/main" id="{E912E8F6-1094-49C1-B7CD-CC46B33D6F84}"/>
+                </a:ext>
+                <a:ext uri="{C183D7F6-B498-43B3-948B-1728B52AA6E4}">
+                  <adec:decorative xmlns:adec="http://schemas.microsoft.com/office/drawing/2017/decorative" val="1"/>
+                </a:ext>
+              </a:extLst>
+            </p:cNvPr>
+            <p:cNvPicPr>
+              <a:picLocks noChangeAspect="1"/>
+            </p:cNvPicPr>
+            <p:nvPr>
+              <p:extLst>
+                <p:ext uri="{386F3935-93C4-4BCD-93E2-E3B085C9AB24}">
+                  <p16:designElem xmlns:p16="http://schemas.microsoft.com/office/powerpoint/2015/main" val="1"/>
+                </p:ext>
+              </p:extLst>
+            </p:nvPr>
+          </p:nvPicPr>
+          <p:blipFill rotWithShape="1">
+            <a:blip r:embed="rId4">
+              <a:extLst>
+                <a:ext uri="{28A0092B-C50C-407E-A947-70E740481C1C}">
+                  <a14:useLocalDpi xmlns:a14="http://schemas.microsoft.com/office/drawing/2010/main" val="0"/>
+                </a:ext>
+              </a:extLst>
+            </a:blip>
+            <a:srcRect/>
+            <a:stretch/>
+          </p:blipFill>
+          <p:spPr>
+            <a:xfrm>
+              <a:off x="9736202" y="3147609"/>
+              <a:ext cx="2478024" cy="612648"/>
+            </a:xfrm>
+            <a:prstGeom prst="rect">
+              <a:avLst/>
+            </a:prstGeom>
+          </p:spPr>
+        </p:pic>
+      </p:grpSp>
+      <p:cxnSp>
+        <p:nvCxnSpPr>
+          <p:cNvPr id="15" name="Straight Connector 14">
+            <a:extLst>
+              <a:ext uri="{FF2B5EF4-FFF2-40B4-BE49-F238E27FC236}">
+                <a16:creationId xmlns:a16="http://schemas.microsoft.com/office/drawing/2014/main" id="{1870FE29-3AF7-4226-8303-7C1B0B8E1F68}"/>
+              </a:ext>
+              <a:ext uri="{C183D7F6-B498-43B3-948B-1728B52AA6E4}">
+                <adec:decorative xmlns:adec="http://schemas.microsoft.com/office/drawing/2017/decorative" val="1"/>
+              </a:ext>
+            </a:extLst>
+          </p:cNvPr>
+          <p:cNvCxnSpPr>
+            <a:cxnSpLocks noGrp="1" noRot="1" noChangeAspect="1" noMove="1" noResize="1" noEditPoints="1" noAdjustHandles="1" noChangeArrowheads="1" noChangeShapeType="1"/>
+          </p:cNvCxnSpPr>
+          <p:nvPr>
+            <p:extLst>
+              <p:ext uri="{386F3935-93C4-4BCD-93E2-E3B085C9AB24}">
+                <p16:designElem xmlns:p16="http://schemas.microsoft.com/office/powerpoint/2015/main" val="1"/>
+              </p:ext>
+            </p:extLst>
+          </p:nvPr>
+        </p:nvCxnSpPr>
+        <p:spPr>
+          <a:xfrm>
+            <a:off x="2692399" y="3522131"/>
+            <a:ext cx="6815668" cy="0"/>
+          </a:xfrm>
+          <a:prstGeom prst="line">
+            <a:avLst/>
+          </a:prstGeom>
+        </p:spPr>
+        <p:style>
+          <a:lnRef idx="2">
+            <a:schemeClr val="accent1"/>
+          </a:lnRef>
+          <a:fillRef idx="0">
+            <a:schemeClr val="accent1"/>
+          </a:fillRef>
+          <a:effectRef idx="1">
+            <a:schemeClr val="accent1"/>
+          </a:effectRef>
+          <a:fontRef idx="minor">
+            <a:schemeClr val="tx1"/>
+          </a:fontRef>
+        </p:style>
+      </p:cxnSp>
+      <p:sp useBgFill="1">
+        <p:nvSpPr>
+          <p:cNvPr id="17" name="Rectangle 16">
+            <a:extLst>
+              <a:ext uri="{FF2B5EF4-FFF2-40B4-BE49-F238E27FC236}">
+                <a16:creationId xmlns:a16="http://schemas.microsoft.com/office/drawing/2014/main" id="{AAE3107B-714A-461C-AC2A-394A70CFC733}"/>
+              </a:ext>
+              <a:ext uri="{C183D7F6-B498-43B3-948B-1728B52AA6E4}">
+                <adec:decorative xmlns:adec="http://schemas.microsoft.com/office/drawing/2017/decorative" val="1"/>
+              </a:ext>
+            </a:extLst>
+          </p:cNvPr>
+          <p:cNvSpPr>
+            <a:spLocks noGrp="1" noRot="1" noChangeAspect="1" noMove="1" noResize="1" noEditPoints="1" noAdjustHandles="1" noChangeArrowheads="1" noChangeShapeType="1" noTextEdit="1"/>
+          </p:cNvSpPr>
+          <p:nvPr>
+            <p:extLst>
+              <p:ext uri="{386F3935-93C4-4BCD-93E2-E3B085C9AB24}">
+                <p16:designElem xmlns:p16="http://schemas.microsoft.com/office/powerpoint/2015/main" val="1"/>
+              </p:ext>
+            </p:extLst>
+          </p:nvPr>
+        </p:nvSpPr>
+        <p:spPr>
+          <a:xfrm>
+            <a:off x="0" y="0"/>
+            <a:ext cx="12188952" cy="6858000"/>
+          </a:xfrm>
+          <a:prstGeom prst="rect">
+            <a:avLst/>
+          </a:prstGeom>
+          <a:ln>
+            <a:noFill/>
+          </a:ln>
+        </p:spPr>
+        <p:style>
+          <a:lnRef idx="2">
+            <a:schemeClr val="accent1">
+              <a:shade val="50000"/>
+            </a:schemeClr>
+          </a:lnRef>
+          <a:fillRef idx="1">
+            <a:schemeClr val="accent1"/>
+          </a:fillRef>
+          <a:effectRef idx="0">
+            <a:schemeClr val="accent1"/>
+          </a:effectRef>
+          <a:fontRef idx="minor">
+            <a:schemeClr val="lt1"/>
+          </a:fontRef>
+        </p:style>
+        <p:txBody>
+          <a:bodyPr rtlCol="0" anchor="ctr"/>
+          <a:lstStyle/>
+          <a:p>
+            <a:pPr algn="ctr"/>
+            <a:endParaRPr lang="en-US"/>
+          </a:p>
+        </p:txBody>
+      </p:sp>
+      <p:grpSp>
+        <p:nvGrpSpPr>
+          <p:cNvPr id="19" name="Group 18">
+            <a:extLst>
+              <a:ext uri="{FF2B5EF4-FFF2-40B4-BE49-F238E27FC236}">
+                <a16:creationId xmlns:a16="http://schemas.microsoft.com/office/drawing/2014/main" id="{AB3F6FE8-AF7E-4703-AB78-FD9AFD2AC2D4}"/>
+              </a:ext>
+              <a:ext uri="{C183D7F6-B498-43B3-948B-1728B52AA6E4}">
+                <adec:decorative xmlns:adec="http://schemas.microsoft.com/office/drawing/2017/decorative" val="1"/>
+              </a:ext>
+            </a:extLst>
+          </p:cNvPr>
+          <p:cNvGrpSpPr>
+            <a:grpSpLocks noGrp="1" noUngrp="1" noRot="1" noChangeAspect="1" noMove="1" noResize="1"/>
+          </p:cNvGrpSpPr>
+          <p:nvPr>
+            <p:extLst>
+              <p:ext uri="{386F3935-93C4-4BCD-93E2-E3B085C9AB24}">
+                <p16:designElem xmlns:p16="http://schemas.microsoft.com/office/powerpoint/2015/main" val="1"/>
+              </p:ext>
+            </p:extLst>
+          </p:nvPr>
+        </p:nvGrpSpPr>
+        <p:grpSpPr>
+          <a:xfrm>
+            <a:off x="-15736" y="0"/>
+            <a:ext cx="12229962" cy="6856214"/>
+            <a:chOff x="-15736" y="0"/>
+            <a:chExt cx="12229962" cy="6856214"/>
+          </a:xfrm>
+        </p:grpSpPr>
+        <p:pic>
+          <p:nvPicPr>
+            <p:cNvPr id="20" name="Picture 19">
+              <a:extLst>
+                <a:ext uri="{FF2B5EF4-FFF2-40B4-BE49-F238E27FC236}">
+                  <a16:creationId xmlns:a16="http://schemas.microsoft.com/office/drawing/2014/main" id="{B6E95CD8-B3B8-425C-8484-D08634E4BEF3}"/>
+                </a:ext>
+                <a:ext uri="{C183D7F6-B498-43B3-948B-1728B52AA6E4}">
+                  <adec:decorative xmlns:adec="http://schemas.microsoft.com/office/drawing/2017/decorative" val="1"/>
+                </a:ext>
+              </a:extLst>
+            </p:cNvPr>
+            <p:cNvPicPr>
+              <a:picLocks noChangeAspect="1"/>
+            </p:cNvPicPr>
+            <p:nvPr>
+              <p:extLst>
+                <p:ext uri="{386F3935-93C4-4BCD-93E2-E3B085C9AB24}">
+                  <p16:designElem xmlns:p16="http://schemas.microsoft.com/office/powerpoint/2015/main" val="1"/>
+                </p:ext>
+              </p:extLst>
+            </p:nvPr>
+          </p:nvPicPr>
+          <p:blipFill>
+            <a:blip r:embed="rId5">
+              <a:extLst>
+                <a:ext uri="{28A0092B-C50C-407E-A947-70E740481C1C}">
+                  <a14:useLocalDpi xmlns:a14="http://schemas.microsoft.com/office/drawing/2010/main" val="0"/>
+                </a:ext>
+              </a:extLst>
+            </a:blip>
+            <a:stretch>
+              <a:fillRect/>
+            </a:stretch>
+          </p:blipFill>
+          <p:spPr>
+            <a:xfrm>
+              <a:off x="0" y="0"/>
+              <a:ext cx="12188825" cy="6856214"/>
+            </a:xfrm>
+            <a:prstGeom prst="rect">
+              <a:avLst/>
+            </a:prstGeom>
+          </p:spPr>
+        </p:pic>
+        <p:sp>
+          <p:nvSpPr>
+            <p:cNvPr id="21" name="Rectangle 20">
+              <a:extLst>
+                <a:ext uri="{FF2B5EF4-FFF2-40B4-BE49-F238E27FC236}">
+                  <a16:creationId xmlns:a16="http://schemas.microsoft.com/office/drawing/2014/main" id="{5395F701-DCB7-480C-817B-538CD262B719}"/>
+                </a:ext>
+                <a:ext uri="{C183D7F6-B498-43B3-948B-1728B52AA6E4}">
+                  <adec:decorative xmlns:adec="http://schemas.microsoft.com/office/drawing/2017/decorative" val="1"/>
+                </a:ext>
+              </a:extLst>
+            </p:cNvPr>
+            <p:cNvSpPr/>
+            <p:nvPr>
+              <p:extLst>
+                <p:ext uri="{386F3935-93C4-4BCD-93E2-E3B085C9AB24}">
+                  <p16:designElem xmlns:p16="http://schemas.microsoft.com/office/powerpoint/2015/main" val="1"/>
+                </p:ext>
+              </p:extLst>
+            </p:nvPr>
+          </p:nvSpPr>
+          <p:spPr>
+            <a:xfrm>
+              <a:off x="608012" y="609600"/>
+              <a:ext cx="10972800" cy="5638800"/>
+            </a:xfrm>
+            <a:prstGeom prst="rect">
+              <a:avLst/>
+            </a:prstGeom>
+            <a:noFill/>
+            <a:ln w="15875" cap="flat">
+              <a:miter lim="800000"/>
+            </a:ln>
+          </p:spPr>
+          <p:style>
+            <a:lnRef idx="1">
+              <a:schemeClr val="accent1"/>
+            </a:lnRef>
+            <a:fillRef idx="3">
+              <a:schemeClr val="accent1"/>
+            </a:fillRef>
+            <a:effectRef idx="2">
+              <a:schemeClr val="accent1"/>
+            </a:effectRef>
+            <a:fontRef idx="minor">
+              <a:schemeClr val="lt1"/>
+            </a:fontRef>
+          </p:style>
+        </p:sp>
+        <p:pic>
+          <p:nvPicPr>
+            <p:cNvPr id="22" name="Picture 21">
+              <a:extLst>
+                <a:ext uri="{FF2B5EF4-FFF2-40B4-BE49-F238E27FC236}">
+                  <a16:creationId xmlns:a16="http://schemas.microsoft.com/office/drawing/2014/main" id="{C7BFDE70-806B-4B63-9B0E-CC97A2E355DC}"/>
+                </a:ext>
+                <a:ext uri="{C183D7F6-B498-43B3-948B-1728B52AA6E4}">
+                  <adec:decorative xmlns:adec="http://schemas.microsoft.com/office/drawing/2017/decorative" val="1"/>
+                </a:ext>
+              </a:extLst>
+            </p:cNvPr>
+            <p:cNvPicPr>
+              <a:picLocks noChangeAspect="1"/>
+            </p:cNvPicPr>
+            <p:nvPr>
+              <p:extLst>
+                <p:ext uri="{386F3935-93C4-4BCD-93E2-E3B085C9AB24}">
+                  <p16:designElem xmlns:p16="http://schemas.microsoft.com/office/powerpoint/2015/main" val="1"/>
+                </p:ext>
+              </p:extLst>
+            </p:nvPr>
+          </p:nvPicPr>
+          <p:blipFill rotWithShape="1">
+            <a:blip r:embed="rId6">
+              <a:extLst>
+                <a:ext uri="{28A0092B-C50C-407E-A947-70E740481C1C}">
+                  <a14:useLocalDpi xmlns:a14="http://schemas.microsoft.com/office/drawing/2010/main" val="0"/>
+                </a:ext>
+              </a:extLst>
+            </a:blip>
+            <a:srcRect/>
+            <a:stretch/>
+          </p:blipFill>
+          <p:spPr>
+            <a:xfrm>
+              <a:off x="-15736" y="3153832"/>
+              <a:ext cx="777240" cy="606425"/>
+            </a:xfrm>
+            <a:prstGeom prst="rect">
+              <a:avLst/>
+            </a:prstGeom>
+          </p:spPr>
+        </p:pic>
+        <p:pic>
+          <p:nvPicPr>
+            <p:cNvPr id="23" name="Picture 22">
+              <a:extLst>
+                <a:ext uri="{FF2B5EF4-FFF2-40B4-BE49-F238E27FC236}">
+                  <a16:creationId xmlns:a16="http://schemas.microsoft.com/office/drawing/2014/main" id="{B4FC4EAC-1FD8-4625-8AFF-04A04361319C}"/>
+                </a:ext>
+                <a:ext uri="{C183D7F6-B498-43B3-948B-1728B52AA6E4}">
+                  <adec:decorative xmlns:adec="http://schemas.microsoft.com/office/drawing/2017/decorative" val="1"/>
+                </a:ext>
+              </a:extLst>
+            </p:cNvPr>
+            <p:cNvPicPr>
+              <a:picLocks noChangeAspect="1"/>
+            </p:cNvPicPr>
+            <p:nvPr>
+              <p:extLst>
+                <p:ext uri="{386F3935-93C4-4BCD-93E2-E3B085C9AB24}">
+                  <p16:designElem xmlns:p16="http://schemas.microsoft.com/office/powerpoint/2015/main" val="1"/>
+                </p:ext>
+              </p:extLst>
+            </p:nvPr>
+          </p:nvPicPr>
+          <p:blipFill rotWithShape="1">
+            <a:blip r:embed="rId6">
+              <a:extLst>
+                <a:ext uri="{28A0092B-C50C-407E-A947-70E740481C1C}">
+                  <a14:useLocalDpi xmlns:a14="http://schemas.microsoft.com/office/drawing/2010/main" val="0"/>
+                </a:ext>
+              </a:extLst>
+            </a:blip>
+            <a:srcRect/>
+            <a:stretch/>
+          </p:blipFill>
+          <p:spPr>
+            <a:xfrm>
+              <a:off x="11436986" y="3153832"/>
+              <a:ext cx="777240" cy="606425"/>
+            </a:xfrm>
+            <a:prstGeom prst="rect">
+              <a:avLst/>
+            </a:prstGeom>
+          </p:spPr>
+        </p:pic>
+      </p:grpSp>
       <p:sp>
         <p:nvSpPr>
           <p:cNvPr id="2" name="文本框 1">
@@ -8679,25 +10021,161 @@
         </p:nvSpPr>
         <p:spPr>
           <a:xfrm>
-            <a:off x="652530" y="661116"/>
-            <a:ext cx="4898264" cy="615553"/>
+            <a:off x="1119884" y="1041401"/>
+            <a:ext cx="4511664" cy="2345264"/>
           </a:xfrm>
           <a:prstGeom prst="rect">
             <a:avLst/>
           </a:prstGeom>
-          <a:noFill/>
         </p:spPr>
         <p:txBody>
-          <a:bodyPr wrap="square" rtlCol="0">
-            <a:spAutoFit/>
+          <a:bodyPr vert="horz" lIns="91440" tIns="45720" rIns="91440" bIns="45720" rtlCol="0" anchor="b">
+            <a:normAutofit/>
           </a:bodyPr>
           <a:lstStyle/>
           <a:p>
-            <a:r>
-              <a:rPr lang="en-US" altLang="zh-CN" sz="3400" dirty="0"/>
+            <a:pPr algn="ctr">
+              <a:spcBef>
+                <a:spcPct val="0"/>
+              </a:spcBef>
+              <a:spcAft>
+                <a:spcPts val="600"/>
+              </a:spcAft>
+            </a:pPr>
+            <a:r>
+              <a:rPr lang="en-US" altLang="zh-CN" sz="5400" kern="1200" cap="none" dirty="0">
+                <a:ln w="3175" cmpd="sng">
+                  <a:noFill/>
+                </a:ln>
+                <a:solidFill>
+                  <a:schemeClr val="tx1">
+                    <a:lumMod val="85000"/>
+                    <a:lumOff val="15000"/>
+                  </a:schemeClr>
+                </a:solidFill>
+                <a:effectLst/>
+                <a:latin typeface="+mj-lt"/>
+                <a:ea typeface="+mj-ea"/>
+                <a:cs typeface="+mj-cs"/>
+              </a:rPr>
               <a:t>Results</a:t>
             </a:r>
-            <a:endParaRPr lang="zh-CN" altLang="en-US" sz="3400" dirty="0"/>
+          </a:p>
+        </p:txBody>
+      </p:sp>
+      <p:cxnSp>
+        <p:nvCxnSpPr>
+          <p:cNvPr id="25" name="Straight Connector 24">
+            <a:extLst>
+              <a:ext uri="{FF2B5EF4-FFF2-40B4-BE49-F238E27FC236}">
+                <a16:creationId xmlns:a16="http://schemas.microsoft.com/office/drawing/2014/main" id="{A36D75B7-CF09-4927-A857-F377500265D8}"/>
+              </a:ext>
+              <a:ext uri="{C183D7F6-B498-43B3-948B-1728B52AA6E4}">
+                <adec:decorative xmlns:adec="http://schemas.microsoft.com/office/drawing/2017/decorative" val="1"/>
+              </a:ext>
+            </a:extLst>
+          </p:cNvPr>
+          <p:cNvCxnSpPr>
+            <a:cxnSpLocks noGrp="1" noRot="1" noChangeAspect="1" noMove="1" noResize="1" noEditPoints="1" noAdjustHandles="1" noChangeArrowheads="1" noChangeShapeType="1"/>
+          </p:cNvCxnSpPr>
+          <p:nvPr>
+            <p:extLst>
+              <p:ext uri="{386F3935-93C4-4BCD-93E2-E3B085C9AB24}">
+                <p16:designElem xmlns:p16="http://schemas.microsoft.com/office/powerpoint/2015/main" val="1"/>
+              </p:ext>
+            </p:extLst>
+          </p:nvPr>
+        </p:nvCxnSpPr>
+        <p:spPr>
+          <a:xfrm>
+            <a:off x="1592636" y="3509772"/>
+            <a:ext cx="3566160" cy="12359"/>
+          </a:xfrm>
+          <a:prstGeom prst="line">
+            <a:avLst/>
+          </a:prstGeom>
+        </p:spPr>
+        <p:style>
+          <a:lnRef idx="2">
+            <a:schemeClr val="accent1"/>
+          </a:lnRef>
+          <a:fillRef idx="0">
+            <a:schemeClr val="accent1"/>
+          </a:fillRef>
+          <a:effectRef idx="1">
+            <a:schemeClr val="accent1"/>
+          </a:effectRef>
+          <a:fontRef idx="minor">
+            <a:schemeClr val="tx1"/>
+          </a:fontRef>
+        </p:style>
+      </p:cxnSp>
+      <p:sp>
+        <p:nvSpPr>
+          <p:cNvPr id="27" name="Rectangle 26">
+            <a:extLst>
+              <a:ext uri="{FF2B5EF4-FFF2-40B4-BE49-F238E27FC236}">
+                <a16:creationId xmlns:a16="http://schemas.microsoft.com/office/drawing/2014/main" id="{0E0A986F-4D9A-4E32-8DBD-A2B117A24F1A}"/>
+              </a:ext>
+              <a:ext uri="{C183D7F6-B498-43B3-948B-1728B52AA6E4}">
+                <adec:decorative xmlns:adec="http://schemas.microsoft.com/office/drawing/2017/decorative" val="1"/>
+              </a:ext>
+            </a:extLst>
+          </p:cNvPr>
+          <p:cNvSpPr>
+            <a:spLocks noGrp="1" noRot="1" noChangeAspect="1" noMove="1" noResize="1" noEditPoints="1" noAdjustHandles="1" noChangeArrowheads="1" noChangeShapeType="1" noTextEdit="1"/>
+          </p:cNvSpPr>
+          <p:nvPr>
+            <p:extLst>
+              <p:ext uri="{386F3935-93C4-4BCD-93E2-E3B085C9AB24}">
+                <p16:designElem xmlns:p16="http://schemas.microsoft.com/office/powerpoint/2015/main" val="1"/>
+              </p:ext>
+            </p:extLst>
+          </p:nvPr>
+        </p:nvSpPr>
+        <p:spPr>
+          <a:xfrm>
+            <a:off x="6145770" y="1092200"/>
+            <a:ext cx="5003356" cy="4705096"/>
+          </a:xfrm>
+          <a:prstGeom prst="rect">
+            <a:avLst/>
+          </a:prstGeom>
+          <a:solidFill>
+            <a:schemeClr val="bg1"/>
+          </a:solidFill>
+          <a:ln w="57150" cmpd="thickThin">
+            <a:solidFill>
+              <a:schemeClr val="tx1">
+                <a:lumMod val="50000"/>
+                <a:lumOff val="50000"/>
+              </a:schemeClr>
+            </a:solidFill>
+            <a:miter lim="800000"/>
+          </a:ln>
+        </p:spPr>
+        <p:style>
+          <a:lnRef idx="2">
+            <a:schemeClr val="accent1">
+              <a:shade val="50000"/>
+            </a:schemeClr>
+          </a:lnRef>
+          <a:fillRef idx="1">
+            <a:schemeClr val="accent1"/>
+          </a:fillRef>
+          <a:effectRef idx="0">
+            <a:schemeClr val="accent1"/>
+          </a:effectRef>
+          <a:fontRef idx="minor">
+            <a:schemeClr val="lt1"/>
+          </a:fontRef>
+        </p:style>
+        <p:txBody>
+          <a:bodyPr rtlCol="0" anchor="ctr"/>
+          <a:lstStyle/>
+          <a:p>
+            <a:pPr algn="ctr"/>
+            <a:endParaRPr lang="en-US"/>
           </a:p>
         </p:txBody>
       </p:sp>
@@ -8716,7 +10194,7 @@
           <p:nvPr/>
         </p:nvPicPr>
         <p:blipFill>
-          <a:blip r:embed="rId2">
+          <a:blip r:embed="rId7">
             <a:extLst>
               <a:ext uri="{28A0092B-C50C-407E-A947-70E740481C1C}">
                 <a14:useLocalDpi xmlns:a14="http://schemas.microsoft.com/office/drawing/2010/main" val="0"/>
@@ -8729,8 +10207,8 @@
         </p:blipFill>
         <p:spPr>
           <a:xfrm>
-            <a:off x="3101662" y="656571"/>
-            <a:ext cx="5243791" cy="2745598"/>
+            <a:off x="6597573" y="1253744"/>
+            <a:ext cx="4078902" cy="2131227"/>
           </a:xfrm>
           <a:prstGeom prst="rect">
             <a:avLst/>
@@ -8739,10 +10217,10 @@
       </p:pic>
       <p:pic>
         <p:nvPicPr>
-          <p:cNvPr id="6" name="图片 5" descr="图表, 折线图&#10;&#10;描述已自动生成">
+          <p:cNvPr id="3" name="图片 2" descr="图示&#10;&#10;描述已自动生成">
             <a:extLst>
               <a:ext uri="{FF2B5EF4-FFF2-40B4-BE49-F238E27FC236}">
-                <a16:creationId xmlns:a16="http://schemas.microsoft.com/office/drawing/2014/main" id="{728865B0-7FD5-A6F9-7CB8-A43A629F8AAB}"/>
+                <a16:creationId xmlns:a16="http://schemas.microsoft.com/office/drawing/2014/main" id="{C4DE7977-A432-74C4-248E-9B87EC9EA609}"/>
               </a:ext>
             </a:extLst>
           </p:cNvPr>
@@ -8752,7 +10230,7 @@
           <p:nvPr/>
         </p:nvPicPr>
         <p:blipFill>
-          <a:blip r:embed="rId3">
+          <a:blip r:embed="rId8">
             <a:extLst>
               <a:ext uri="{28A0092B-C50C-407E-A947-70E740481C1C}">
                 <a14:useLocalDpi xmlns:a14="http://schemas.microsoft.com/office/drawing/2010/main" val="0"/>
@@ -8765,8 +10243,8 @@
         </p:blipFill>
         <p:spPr>
           <a:xfrm>
-            <a:off x="3101662" y="3451286"/>
-            <a:ext cx="5301375" cy="2741052"/>
+            <a:off x="6446640" y="3522131"/>
+            <a:ext cx="4369326" cy="2108201"/>
           </a:xfrm>
           <a:prstGeom prst="rect">
             <a:avLst/>
